--- a/Irene/Demo.pptx
+++ b/Irene/Demo.pptx
@@ -292,7 +292,7 @@
             <a:fld id="{530820CF-B880-4189-942D-D702A7CBA730}" type="datetimeFigureOut">
               <a:rPr lang="zh-CN" altLang="en-US" smtClean="0"/>
               <a:pPr/>
-              <a:t>2014/8/4</a:t>
+              <a:t>2014/8/6</a:t>
             </a:fld>
             <a:endParaRPr lang="zh-CN" altLang="en-US"/>
           </a:p>
@@ -459,7 +459,7 @@
             <a:fld id="{530820CF-B880-4189-942D-D702A7CBA730}" type="datetimeFigureOut">
               <a:rPr lang="zh-CN" altLang="en-US" smtClean="0"/>
               <a:pPr/>
-              <a:t>2014/8/4</a:t>
+              <a:t>2014/8/6</a:t>
             </a:fld>
             <a:endParaRPr lang="zh-CN" altLang="en-US"/>
           </a:p>
@@ -636,7 +636,7 @@
             <a:fld id="{530820CF-B880-4189-942D-D702A7CBA730}" type="datetimeFigureOut">
               <a:rPr lang="zh-CN" altLang="en-US" smtClean="0"/>
               <a:pPr/>
-              <a:t>2014/8/4</a:t>
+              <a:t>2014/8/6</a:t>
             </a:fld>
             <a:endParaRPr lang="zh-CN" altLang="en-US"/>
           </a:p>
@@ -803,7 +803,7 @@
             <a:fld id="{530820CF-B880-4189-942D-D702A7CBA730}" type="datetimeFigureOut">
               <a:rPr lang="zh-CN" altLang="en-US" smtClean="0"/>
               <a:pPr/>
-              <a:t>2014/8/4</a:t>
+              <a:t>2014/8/6</a:t>
             </a:fld>
             <a:endParaRPr lang="zh-CN" altLang="en-US"/>
           </a:p>
@@ -1046,7 +1046,7 @@
             <a:fld id="{530820CF-B880-4189-942D-D702A7CBA730}" type="datetimeFigureOut">
               <a:rPr lang="zh-CN" altLang="en-US" smtClean="0"/>
               <a:pPr/>
-              <a:t>2014/8/4</a:t>
+              <a:t>2014/8/6</a:t>
             </a:fld>
             <a:endParaRPr lang="zh-CN" altLang="en-US"/>
           </a:p>
@@ -1331,7 +1331,7 @@
             <a:fld id="{530820CF-B880-4189-942D-D702A7CBA730}" type="datetimeFigureOut">
               <a:rPr lang="zh-CN" altLang="en-US" smtClean="0"/>
               <a:pPr/>
-              <a:t>2014/8/4</a:t>
+              <a:t>2014/8/6</a:t>
             </a:fld>
             <a:endParaRPr lang="zh-CN" altLang="en-US"/>
           </a:p>
@@ -1750,7 +1750,7 @@
             <a:fld id="{530820CF-B880-4189-942D-D702A7CBA730}" type="datetimeFigureOut">
               <a:rPr lang="zh-CN" altLang="en-US" smtClean="0"/>
               <a:pPr/>
-              <a:t>2014/8/4</a:t>
+              <a:t>2014/8/6</a:t>
             </a:fld>
             <a:endParaRPr lang="zh-CN" altLang="en-US"/>
           </a:p>
@@ -1865,7 +1865,7 @@
             <a:fld id="{530820CF-B880-4189-942D-D702A7CBA730}" type="datetimeFigureOut">
               <a:rPr lang="zh-CN" altLang="en-US" smtClean="0"/>
               <a:pPr/>
-              <a:t>2014/8/4</a:t>
+              <a:t>2014/8/6</a:t>
             </a:fld>
             <a:endParaRPr lang="zh-CN" altLang="en-US"/>
           </a:p>
@@ -1957,7 +1957,7 @@
             <a:fld id="{530820CF-B880-4189-942D-D702A7CBA730}" type="datetimeFigureOut">
               <a:rPr lang="zh-CN" altLang="en-US" smtClean="0"/>
               <a:pPr/>
-              <a:t>2014/8/4</a:t>
+              <a:t>2014/8/6</a:t>
             </a:fld>
             <a:endParaRPr lang="zh-CN" altLang="en-US"/>
           </a:p>
@@ -2231,7 +2231,7 @@
             <a:fld id="{530820CF-B880-4189-942D-D702A7CBA730}" type="datetimeFigureOut">
               <a:rPr lang="zh-CN" altLang="en-US" smtClean="0"/>
               <a:pPr/>
-              <a:t>2014/8/4</a:t>
+              <a:t>2014/8/6</a:t>
             </a:fld>
             <a:endParaRPr lang="zh-CN" altLang="en-US"/>
           </a:p>
@@ -2481,7 +2481,7 @@
             <a:fld id="{530820CF-B880-4189-942D-D702A7CBA730}" type="datetimeFigureOut">
               <a:rPr lang="zh-CN" altLang="en-US" smtClean="0"/>
               <a:pPr/>
-              <a:t>2014/8/4</a:t>
+              <a:t>2014/8/6</a:t>
             </a:fld>
             <a:endParaRPr lang="zh-CN" altLang="en-US"/>
           </a:p>
@@ -2691,7 +2691,7 @@
             <a:fld id="{530820CF-B880-4189-942D-D702A7CBA730}" type="datetimeFigureOut">
               <a:rPr lang="zh-CN" altLang="en-US" smtClean="0"/>
               <a:pPr/>
-              <a:t>2014/8/4</a:t>
+              <a:t>2014/8/6</a:t>
             </a:fld>
             <a:endParaRPr lang="zh-CN" altLang="en-US"/>
           </a:p>
@@ -3075,7 +3075,7 @@
         <p:spPr>
           <a:xfrm>
             <a:off x="685800" y="2130425"/>
-            <a:ext cx="7772400" cy="2727335"/>
+            <a:ext cx="7886728" cy="3441715"/>
           </a:xfrm>
         </p:spPr>
         <p:txBody>
@@ -3103,16 +3103,27 @@
               <a:rPr lang="en-US" altLang="zh-CN" dirty="0" smtClean="0"/>
             </a:br>
             <a:r>
-              <a:rPr lang="en-US" altLang="zh-CN" dirty="0" smtClean="0"/>
-              <a:t> </a:t>
-            </a:r>
-            <a:r>
-              <a:rPr lang="en-US" altLang="zh-CN" dirty="0" smtClean="0"/>
-              <a:t>                                          </a:t>
+              <a:rPr lang="en-US" altLang="zh-CN" smtClean="0"/>
+              <a:t>                          </a:t>
+            </a:r>
+            <a:r>
+              <a:rPr lang="en-US" altLang="zh-CN" smtClean="0"/>
+              <a:t>              </a:t>
             </a:r>
             <a:r>
               <a:rPr lang="en-US" altLang="zh-CN" sz="2800" dirty="0" smtClean="0"/>
               <a:t>HIKA</a:t>
+            </a:r>
+            <a:br>
+              <a:rPr lang="en-US" altLang="zh-CN" sz="2800" dirty="0" smtClean="0"/>
+            </a:br>
+            <a:r>
+              <a:rPr lang="en-US" altLang="zh-CN" sz="2800" dirty="0" smtClean="0"/>
+              <a:t>                                            </a:t>
+            </a:r>
+            <a:r>
+              <a:rPr lang="en-US" altLang="zh-CN" sz="2800" dirty="0" smtClean="0"/>
+              <a:t>Haley &amp; Irene &amp; Ken &amp; Amy</a:t>
             </a:r>
             <a:endParaRPr lang="zh-CN" altLang="en-US" sz="2800" dirty="0"/>
           </a:p>
@@ -3279,11 +3290,7 @@
           <a:p>
             <a:r>
               <a:rPr lang="en-US" dirty="0" smtClean="0"/>
-              <a:t>I</a:t>
-            </a:r>
-            <a:r>
-              <a:rPr lang="en-US" dirty="0" smtClean="0"/>
-              <a:t>ncome Per Capita(dollars):horizontal axis</a:t>
+              <a:t>Income Per Capita(dollars):horizontal axis</a:t>
             </a:r>
           </a:p>
           <a:p>
